--- a/PPT/en/PPT3_-_JSON_XML_and_APIs.pptx
+++ b/PPT/en/PPT3_-_JSON_XML_and_APIs.pptx
@@ -247,7 +247,7 @@
           <a:p>
             <a:fld id="{A8056B92-FCDB-4810-8779-64E0CAC2F787}" type="datetimeFigureOut">
               <a:rPr lang="pt-PT" smtClean="0"/>
-              <a:t>18/05/2018</a:t>
+              <a:t>20/05/2018</a:t>
             </a:fld>
             <a:endParaRPr lang="pt-PT"/>
           </a:p>
@@ -417,7 +417,7 @@
           <a:p>
             <a:fld id="{A8056B92-FCDB-4810-8779-64E0CAC2F787}" type="datetimeFigureOut">
               <a:rPr lang="pt-PT" smtClean="0"/>
-              <a:t>18/05/2018</a:t>
+              <a:t>20/05/2018</a:t>
             </a:fld>
             <a:endParaRPr lang="pt-PT"/>
           </a:p>
@@ -597,7 +597,7 @@
           <a:p>
             <a:fld id="{A8056B92-FCDB-4810-8779-64E0CAC2F787}" type="datetimeFigureOut">
               <a:rPr lang="pt-PT" smtClean="0"/>
-              <a:t>18/05/2018</a:t>
+              <a:t>20/05/2018</a:t>
             </a:fld>
             <a:endParaRPr lang="pt-PT"/>
           </a:p>
@@ -767,7 +767,7 @@
           <a:p>
             <a:fld id="{A8056B92-FCDB-4810-8779-64E0CAC2F787}" type="datetimeFigureOut">
               <a:rPr lang="pt-PT" smtClean="0"/>
-              <a:t>18/05/2018</a:t>
+              <a:t>20/05/2018</a:t>
             </a:fld>
             <a:endParaRPr lang="pt-PT"/>
           </a:p>
@@ -1013,7 +1013,7 @@
           <a:p>
             <a:fld id="{A8056B92-FCDB-4810-8779-64E0CAC2F787}" type="datetimeFigureOut">
               <a:rPr lang="pt-PT" smtClean="0"/>
-              <a:t>18/05/2018</a:t>
+              <a:t>20/05/2018</a:t>
             </a:fld>
             <a:endParaRPr lang="pt-PT"/>
           </a:p>
@@ -1245,7 +1245,7 @@
           <a:p>
             <a:fld id="{A8056B92-FCDB-4810-8779-64E0CAC2F787}" type="datetimeFigureOut">
               <a:rPr lang="pt-PT" smtClean="0"/>
-              <a:t>18/05/2018</a:t>
+              <a:t>20/05/2018</a:t>
             </a:fld>
             <a:endParaRPr lang="pt-PT"/>
           </a:p>
@@ -1612,7 +1612,7 @@
           <a:p>
             <a:fld id="{A8056B92-FCDB-4810-8779-64E0CAC2F787}" type="datetimeFigureOut">
               <a:rPr lang="pt-PT" smtClean="0"/>
-              <a:t>18/05/2018</a:t>
+              <a:t>20/05/2018</a:t>
             </a:fld>
             <a:endParaRPr lang="pt-PT"/>
           </a:p>
@@ -1730,7 +1730,7 @@
           <a:p>
             <a:fld id="{A8056B92-FCDB-4810-8779-64E0CAC2F787}" type="datetimeFigureOut">
               <a:rPr lang="pt-PT" smtClean="0"/>
-              <a:t>18/05/2018</a:t>
+              <a:t>20/05/2018</a:t>
             </a:fld>
             <a:endParaRPr lang="pt-PT"/>
           </a:p>
@@ -1825,7 +1825,7 @@
           <a:p>
             <a:fld id="{A8056B92-FCDB-4810-8779-64E0CAC2F787}" type="datetimeFigureOut">
               <a:rPr lang="pt-PT" smtClean="0"/>
-              <a:t>18/05/2018</a:t>
+              <a:t>20/05/2018</a:t>
             </a:fld>
             <a:endParaRPr lang="pt-PT"/>
           </a:p>
@@ -2102,7 +2102,7 @@
           <a:p>
             <a:fld id="{A8056B92-FCDB-4810-8779-64E0CAC2F787}" type="datetimeFigureOut">
               <a:rPr lang="pt-PT" smtClean="0"/>
-              <a:t>18/05/2018</a:t>
+              <a:t>20/05/2018</a:t>
             </a:fld>
             <a:endParaRPr lang="pt-PT"/>
           </a:p>
@@ -2359,7 +2359,7 @@
           <a:p>
             <a:fld id="{A8056B92-FCDB-4810-8779-64E0CAC2F787}" type="datetimeFigureOut">
               <a:rPr lang="pt-PT" smtClean="0"/>
-              <a:t>18/05/2018</a:t>
+              <a:t>20/05/2018</a:t>
             </a:fld>
             <a:endParaRPr lang="pt-PT"/>
           </a:p>
@@ -2572,7 +2572,7 @@
           <a:p>
             <a:fld id="{A8056B92-FCDB-4810-8779-64E0CAC2F787}" type="datetimeFigureOut">
               <a:rPr lang="pt-PT" smtClean="0"/>
-              <a:t>18/05/2018</a:t>
+              <a:t>20/05/2018</a:t>
             </a:fld>
             <a:endParaRPr lang="pt-PT"/>
           </a:p>
@@ -3007,7 +3007,29 @@
                   </a:schemeClr>
                 </a:solidFill>
               </a:rPr>
-              <a:t>JSON, XML e </a:t>
+              <a:t>JSON, XML </a:t>
+            </a:r>
+            <a:r>
+              <a:rPr lang="pt-PT" b="1" dirty="0" err="1">
+                <a:solidFill>
+                  <a:schemeClr val="accent2">
+                    <a:lumMod val="60000"/>
+                    <a:lumOff val="40000"/>
+                  </a:schemeClr>
+                </a:solidFill>
+              </a:rPr>
+              <a:t>and</a:t>
+            </a:r>
+            <a:r>
+              <a:rPr lang="pt-PT" b="1" dirty="0">
+                <a:solidFill>
+                  <a:schemeClr val="accent2">
+                    <a:lumMod val="60000"/>
+                    <a:lumOff val="40000"/>
+                  </a:schemeClr>
+                </a:solidFill>
+              </a:rPr>
+              <a:t> </a:t>
             </a:r>
             <a:r>
               <a:rPr lang="pt-PT" b="1" dirty="0" err="1">
@@ -3053,10 +3075,16 @@
           <a:lstStyle/>
           <a:p>
             <a:r>
+              <a:rPr lang="pt-PT" dirty="0" err="1">
+                <a:latin typeface="Consolas" panose="020B0609020204030204" pitchFamily="49" charset="0"/>
+              </a:rPr>
+              <a:t>Week</a:t>
+            </a:r>
+            <a:r>
               <a:rPr lang="pt-PT" dirty="0">
                 <a:latin typeface="Consolas" panose="020B0609020204030204" pitchFamily="49" charset="0"/>
               </a:rPr>
-              <a:t>Semana 2</a:t>
+              <a:t> 2</a:t>
             </a:r>
           </a:p>
         </p:txBody>
@@ -3113,7 +3141,7 @@
           <a:lstStyle/>
           <a:p>
             <a:r>
-              <a:rPr lang="pt-PT" b="1" dirty="0">
+              <a:rPr lang="en-US" b="1" dirty="0">
                 <a:solidFill>
                   <a:schemeClr val="accent4">
                     <a:lumMod val="60000"/>
@@ -3121,8 +3149,16 @@
                   </a:schemeClr>
                 </a:solidFill>
               </a:rPr>
-              <a:t>O que é? Para que serve?</a:t>
-            </a:r>
+              <a:t>What is? What are they for?</a:t>
+            </a:r>
+            <a:endParaRPr lang="pt-PT" b="1" dirty="0">
+              <a:solidFill>
+                <a:schemeClr val="accent4">
+                  <a:lumMod val="60000"/>
+                  <a:lumOff val="40000"/>
+                </a:schemeClr>
+              </a:solidFill>
+            </a:endParaRPr>
           </a:p>
         </p:txBody>
       </p:sp>
@@ -3225,11 +3261,14 @@
           </a:p>
           <a:p>
             <a:r>
-              <a:rPr lang="pt-PT" sz="1800" dirty="0">
-                <a:latin typeface="Consolas" panose="020B0609020204030204" pitchFamily="49" charset="0"/>
-              </a:rPr>
-              <a:t>São formas de estruturar dados e enviá-los entre aplicações</a:t>
-            </a:r>
+              <a:rPr lang="en-US" sz="1800" dirty="0">
+                <a:latin typeface="Consolas" panose="020B0609020204030204" pitchFamily="49" charset="0"/>
+              </a:rPr>
+              <a:t>They are ways to structure and send data between applications</a:t>
+            </a:r>
+            <a:endParaRPr lang="pt-PT" sz="1800" dirty="0">
+              <a:latin typeface="Consolas" panose="020B0609020204030204" pitchFamily="49" charset="0"/>
+            </a:endParaRPr>
           </a:p>
         </p:txBody>
       </p:sp>
@@ -3509,7 +3548,7 @@
               <a:rPr lang="pt-PT" sz="1800" dirty="0" err="1">
                 <a:latin typeface="Consolas" panose="020B0609020204030204" pitchFamily="49" charset="0"/>
               </a:rPr>
-              <a:t>listaDeCompras</a:t>
+              <a:t>shoppingList</a:t>
             </a:r>
             <a:r>
               <a:rPr lang="pt-PT" sz="1800" dirty="0">
@@ -3526,7 +3565,19 @@
               <a:rPr lang="pt-PT" sz="1800" dirty="0">
                 <a:latin typeface="Consolas" panose="020B0609020204030204" pitchFamily="49" charset="0"/>
               </a:rPr>
-              <a:t>   &lt;item quantidade=“5”&gt;Maçã&lt;/item&gt;</a:t>
+              <a:t>   &lt;item </a:t>
+            </a:r>
+            <a:r>
+              <a:rPr lang="pt-PT" sz="1800" dirty="0" err="1">
+                <a:latin typeface="Consolas" panose="020B0609020204030204" pitchFamily="49" charset="0"/>
+              </a:rPr>
+              <a:t>amount</a:t>
+            </a:r>
+            <a:r>
+              <a:rPr lang="pt-PT" sz="1800" dirty="0">
+                <a:latin typeface="Consolas" panose="020B0609020204030204" pitchFamily="49" charset="0"/>
+              </a:rPr>
+              <a:t>=“5”&gt;Apple&lt;/item&gt;</a:t>
             </a:r>
           </a:p>
           <a:p>
@@ -3537,7 +3588,31 @@
               <a:rPr lang="pt-PT" sz="1800" dirty="0">
                 <a:latin typeface="Consolas" panose="020B0609020204030204" pitchFamily="49" charset="0"/>
               </a:rPr>
-              <a:t>   &lt;item quantidade=“2”&gt;Ovos&lt;/item&gt;</a:t>
+              <a:t>   &lt;item </a:t>
+            </a:r>
+            <a:r>
+              <a:rPr lang="pt-PT" sz="1800" dirty="0" err="1">
+                <a:latin typeface="Consolas" panose="020B0609020204030204" pitchFamily="49" charset="0"/>
+              </a:rPr>
+              <a:t>amount</a:t>
+            </a:r>
+            <a:r>
+              <a:rPr lang="pt-PT" sz="1800" dirty="0">
+                <a:latin typeface="Consolas" panose="020B0609020204030204" pitchFamily="49" charset="0"/>
+              </a:rPr>
+              <a:t>=“2”&gt;</a:t>
+            </a:r>
+            <a:r>
+              <a:rPr lang="pt-PT" sz="1800" dirty="0" err="1">
+                <a:latin typeface="Consolas" panose="020B0609020204030204" pitchFamily="49" charset="0"/>
+              </a:rPr>
+              <a:t>Egg</a:t>
+            </a:r>
+            <a:r>
+              <a:rPr lang="pt-PT" sz="1800" dirty="0">
+                <a:latin typeface="Consolas" panose="020B0609020204030204" pitchFamily="49" charset="0"/>
+              </a:rPr>
+              <a:t>&lt;/item&gt;</a:t>
             </a:r>
           </a:p>
           <a:p>
@@ -3554,7 +3629,7 @@
               <a:rPr lang="pt-PT" sz="1800" dirty="0" err="1">
                 <a:latin typeface="Consolas" panose="020B0609020204030204" pitchFamily="49" charset="0"/>
               </a:rPr>
-              <a:t>listaDeCompras</a:t>
+              <a:t>shoppingList</a:t>
             </a:r>
             <a:r>
               <a:rPr lang="pt-PT" sz="1800" dirty="0">
@@ -3658,7 +3733,7 @@
               <a:rPr lang="pt-PT" dirty="0" err="1">
                 <a:latin typeface="Consolas" panose="020B0609020204030204" pitchFamily="49" charset="0"/>
               </a:rPr>
-              <a:t>listaDeCompras</a:t>
+              <a:t>shoppingList</a:t>
             </a:r>
             <a:r>
               <a:rPr lang="pt-PT" dirty="0">
@@ -3680,15 +3755,19 @@
               <a:rPr lang="pt-PT" dirty="0">
                 <a:latin typeface="Consolas" panose="020B0609020204030204" pitchFamily="49" charset="0"/>
               </a:rPr>
-              <a:t>      “quantidade” : 5,</a:t>
-            </a:r>
-          </a:p>
-          <a:p>
+              <a:t>      “</a:t>
+            </a:r>
+            <a:r>
+              <a:rPr lang="pt-PT" dirty="0" err="1">
+                <a:latin typeface="Consolas" panose="020B0609020204030204" pitchFamily="49" charset="0"/>
+              </a:rPr>
+              <a:t>amount</a:t>
+            </a:r>
             <a:r>
               <a:rPr lang="pt-PT" dirty="0">
                 <a:latin typeface="Consolas" panose="020B0609020204030204" pitchFamily="49" charset="0"/>
               </a:rPr>
-              <a:t>      “descrição” : “Maçã”</a:t>
+              <a:t>” : 5,</a:t>
             </a:r>
           </a:p>
           <a:p>
@@ -3696,6 +3775,26 @@
               <a:rPr lang="pt-PT" dirty="0">
                 <a:latin typeface="Consolas" panose="020B0609020204030204" pitchFamily="49" charset="0"/>
               </a:rPr>
+              <a:t>      “</a:t>
+            </a:r>
+            <a:r>
+              <a:rPr lang="pt-PT" dirty="0" err="1">
+                <a:latin typeface="Consolas" panose="020B0609020204030204" pitchFamily="49" charset="0"/>
+              </a:rPr>
+              <a:t>description</a:t>
+            </a:r>
+            <a:r>
+              <a:rPr lang="pt-PT" dirty="0">
+                <a:latin typeface="Consolas" panose="020B0609020204030204" pitchFamily="49" charset="0"/>
+              </a:rPr>
+              <a:t>” : “Apple”</a:t>
+            </a:r>
+          </a:p>
+          <a:p>
+            <a:r>
+              <a:rPr lang="pt-PT" dirty="0">
+                <a:latin typeface="Consolas" panose="020B0609020204030204" pitchFamily="49" charset="0"/>
+              </a:rPr>
               <a:t>   },</a:t>
             </a:r>
           </a:p>
@@ -3712,15 +3811,51 @@
               <a:rPr lang="pt-PT" dirty="0">
                 <a:latin typeface="Consolas" panose="020B0609020204030204" pitchFamily="49" charset="0"/>
               </a:rPr>
-              <a:t>      “quantidade” : 5,</a:t>
-            </a:r>
-          </a:p>
-          <a:p>
+              <a:t>      “</a:t>
+            </a:r>
+            <a:r>
+              <a:rPr lang="pt-PT" dirty="0" err="1">
+                <a:latin typeface="Consolas" panose="020B0609020204030204" pitchFamily="49" charset="0"/>
+              </a:rPr>
+              <a:t>amount</a:t>
+            </a:r>
             <a:r>
               <a:rPr lang="pt-PT" dirty="0">
                 <a:latin typeface="Consolas" panose="020B0609020204030204" pitchFamily="49" charset="0"/>
               </a:rPr>
-              <a:t>      “descrição” : “Maçã”</a:t>
+              <a:t>” : 2,</a:t>
+            </a:r>
+          </a:p>
+          <a:p>
+            <a:r>
+              <a:rPr lang="pt-PT" dirty="0">
+                <a:latin typeface="Consolas" panose="020B0609020204030204" pitchFamily="49" charset="0"/>
+              </a:rPr>
+              <a:t>      “</a:t>
+            </a:r>
+            <a:r>
+              <a:rPr lang="pt-PT" dirty="0" err="1">
+                <a:latin typeface="Consolas" panose="020B0609020204030204" pitchFamily="49" charset="0"/>
+              </a:rPr>
+              <a:t>description</a:t>
+            </a:r>
+            <a:r>
+              <a:rPr lang="pt-PT" dirty="0">
+                <a:latin typeface="Consolas" panose="020B0609020204030204" pitchFamily="49" charset="0"/>
+              </a:rPr>
+              <a:t>” : “</a:t>
+            </a:r>
+            <a:r>
+              <a:rPr lang="pt-PT" dirty="0" err="1">
+                <a:latin typeface="Consolas" panose="020B0609020204030204" pitchFamily="49" charset="0"/>
+              </a:rPr>
+              <a:t>Egg</a:t>
+            </a:r>
+            <a:r>
+              <a:rPr lang="pt-PT" dirty="0">
+                <a:latin typeface="Consolas" panose="020B0609020204030204" pitchFamily="49" charset="0"/>
+              </a:rPr>
+              <a:t>”</a:t>
             </a:r>
           </a:p>
           <a:p>
@@ -3933,7 +4068,7 @@
           <a:lstStyle/>
           <a:p>
             <a:r>
-              <a:rPr lang="pt-PT" b="1" dirty="0">
+              <a:rPr lang="en-US" b="1" dirty="0">
                 <a:solidFill>
                   <a:schemeClr val="accent4">
                     <a:lumMod val="60000"/>
@@ -3941,8 +4076,16 @@
                   </a:schemeClr>
                 </a:solidFill>
               </a:rPr>
-              <a:t>Como utilizar XML e JSON em Java?</a:t>
-            </a:r>
+              <a:t>How to use XML and JSON in Java?</a:t>
+            </a:r>
+            <a:endParaRPr lang="pt-PT" b="1" dirty="0">
+              <a:solidFill>
+                <a:schemeClr val="accent4">
+                  <a:lumMod val="60000"/>
+                  <a:lumOff val="40000"/>
+                </a:schemeClr>
+              </a:solidFill>
+            </a:endParaRPr>
           </a:p>
         </p:txBody>
       </p:sp>
@@ -4131,6 +4274,17 @@
           <a:lstStyle/>
           <a:p>
             <a:r>
+              <a:rPr lang="pt-PT" b="1" dirty="0" err="1">
+                <a:solidFill>
+                  <a:schemeClr val="accent4">
+                    <a:lumMod val="60000"/>
+                    <a:lumOff val="40000"/>
+                  </a:schemeClr>
+                </a:solidFill>
+              </a:rPr>
+              <a:t>What</a:t>
+            </a:r>
+            <a:r>
               <a:rPr lang="pt-PT" b="1" dirty="0">
                 <a:solidFill>
                   <a:schemeClr val="accent4">
@@ -4139,7 +4293,51 @@
                   </a:schemeClr>
                 </a:solidFill>
               </a:rPr>
-              <a:t>O que é uma API?</a:t>
+              <a:t> </a:t>
+            </a:r>
+            <a:r>
+              <a:rPr lang="pt-PT" b="1" dirty="0" err="1">
+                <a:solidFill>
+                  <a:schemeClr val="accent4">
+                    <a:lumMod val="60000"/>
+                    <a:lumOff val="40000"/>
+                  </a:schemeClr>
+                </a:solidFill>
+              </a:rPr>
+              <a:t>is</a:t>
+            </a:r>
+            <a:r>
+              <a:rPr lang="pt-PT" b="1" dirty="0">
+                <a:solidFill>
+                  <a:schemeClr val="accent4">
+                    <a:lumMod val="60000"/>
+                    <a:lumOff val="40000"/>
+                  </a:schemeClr>
+                </a:solidFill>
+              </a:rPr>
+              <a:t> </a:t>
+            </a:r>
+            <a:r>
+              <a:rPr lang="pt-PT" b="1" dirty="0" err="1">
+                <a:solidFill>
+                  <a:schemeClr val="accent4">
+                    <a:lumMod val="60000"/>
+                    <a:lumOff val="40000"/>
+                  </a:schemeClr>
+                </a:solidFill>
+              </a:rPr>
+              <a:t>an</a:t>
+            </a:r>
+            <a:r>
+              <a:rPr lang="pt-PT" b="1" dirty="0">
+                <a:solidFill>
+                  <a:schemeClr val="accent4">
+                    <a:lumMod val="60000"/>
+                    <a:lumOff val="40000"/>
+                  </a:schemeClr>
+                </a:solidFill>
+              </a:rPr>
+              <a:t> API?</a:t>
             </a:r>
           </a:p>
         </p:txBody>
@@ -4176,10 +4374,10 @@
           </a:p>
           <a:p>
             <a:r>
-              <a:rPr lang="pt-PT" sz="1800" dirty="0">
-                <a:latin typeface="Consolas" panose="020B0609020204030204" pitchFamily="49" charset="0"/>
-              </a:rPr>
-              <a:t>Padrões estabelecidos pelo software para que outros o usem de forma fácil.</a:t>
+              <a:rPr lang="en-US" sz="1800" dirty="0">
+                <a:latin typeface="Consolas" panose="020B0609020204030204" pitchFamily="49" charset="0"/>
+              </a:rPr>
+              <a:t>An web API is a interface consisting of one or more publicly exposed endpoints to a defined request–response message system, typically expressed in JSON or XML.</a:t>
             </a:r>
           </a:p>
           <a:p>
@@ -4192,19 +4390,31 @@
               <a:rPr lang="pt-PT" sz="1800" dirty="0">
                 <a:latin typeface="Consolas" panose="020B0609020204030204" pitchFamily="49" charset="0"/>
               </a:rPr>
-              <a:t>Lista </a:t>
-            </a:r>
-            <a:r>
-              <a:rPr lang="pt-PT" sz="1800">
-                <a:latin typeface="Consolas" panose="020B0609020204030204" pitchFamily="49" charset="0"/>
-              </a:rPr>
-              <a:t>de algumas APIs</a:t>
+              <a:t>Some </a:t>
+            </a:r>
+            <a:r>
+              <a:rPr lang="pt-PT" sz="1800" dirty="0" err="1">
+                <a:latin typeface="Consolas" panose="020B0609020204030204" pitchFamily="49" charset="0"/>
+              </a:rPr>
+              <a:t>public</a:t>
             </a:r>
             <a:r>
               <a:rPr lang="pt-PT" sz="1800" dirty="0">
                 <a:latin typeface="Consolas" panose="020B0609020204030204" pitchFamily="49" charset="0"/>
               </a:rPr>
-              <a:t> públicas: </a:t>
+              <a:t> </a:t>
+            </a:r>
+            <a:r>
+              <a:rPr lang="pt-PT" sz="1800" dirty="0" err="1">
+                <a:latin typeface="Consolas" panose="020B0609020204030204" pitchFamily="49" charset="0"/>
+              </a:rPr>
+              <a:t>APIs</a:t>
+            </a:r>
+            <a:r>
+              <a:rPr lang="pt-PT" sz="1800" dirty="0">
+                <a:latin typeface="Consolas" panose="020B0609020204030204" pitchFamily="49" charset="0"/>
+              </a:rPr>
+              <a:t>: </a:t>
             </a:r>
             <a:r>
               <a:rPr lang="pt-PT" sz="1800" dirty="0">
@@ -4282,6 +4492,17 @@
           <a:p>
             <a:pPr algn="ctr"/>
             <a:r>
+              <a:rPr lang="pt-PT" b="1" dirty="0" err="1">
+                <a:solidFill>
+                  <a:schemeClr val="accent4">
+                    <a:lumMod val="60000"/>
+                    <a:lumOff val="40000"/>
+                  </a:schemeClr>
+                </a:solidFill>
+              </a:rPr>
+              <a:t>Exercises</a:t>
+            </a:r>
+            <a:r>
               <a:rPr lang="pt-PT" b="1" dirty="0">
                 <a:solidFill>
                   <a:schemeClr val="accent4">
@@ -4290,7 +4511,7 @@
                   </a:schemeClr>
                 </a:solidFill>
               </a:rPr>
-              <a:t>Exercícios!</a:t>
+              <a:t>!</a:t>
             </a:r>
           </a:p>
         </p:txBody>
